--- a/2019/2月.pptx
+++ b/2019/2月.pptx
@@ -12,6 +12,8 @@
     <p:sldId id="260" r:id="rId6"/>
     <p:sldId id="261" r:id="rId7"/>
     <p:sldId id="262" r:id="rId8"/>
+    <p:sldId id="263" r:id="rId9"/>
+    <p:sldId id="264" r:id="rId10"/>
   </p:sldIdLst>
   <p:sldSz cx="9144000" cy="6858000" type="screen4x3"/>
   <p:notesSz cx="6858000" cy="9144000"/>
@@ -294,7 +296,8 @@
           <a:p>
             <a:fld id="{17B5FB31-D49E-4C47-B25F-E23A54C0F091}" type="datetimeFigureOut">
               <a:rPr lang="zh-TW" altLang="en-US" smtClean="0"/>
-              <a:t>2019/2/3</a:t>
+              <a:pPr/>
+              <a:t>2019/2/17</a:t>
             </a:fld>
             <a:endParaRPr lang="zh-TW" altLang="en-US"/>
           </a:p>
@@ -336,6 +339,7 @@
           <a:p>
             <a:fld id="{BD834D31-072F-43B0-8FC2-C31BD4DDCA99}" type="slidenum">
               <a:rPr lang="zh-TW" altLang="en-US" smtClean="0"/>
+              <a:pPr/>
               <a:t>‹#›</a:t>
             </a:fld>
             <a:endParaRPr lang="zh-TW" altLang="en-US"/>
@@ -459,7 +463,8 @@
           <a:p>
             <a:fld id="{17B5FB31-D49E-4C47-B25F-E23A54C0F091}" type="datetimeFigureOut">
               <a:rPr lang="zh-TW" altLang="en-US" smtClean="0"/>
-              <a:t>2019/2/3</a:t>
+              <a:pPr/>
+              <a:t>2019/2/17</a:t>
             </a:fld>
             <a:endParaRPr lang="zh-TW" altLang="en-US"/>
           </a:p>
@@ -501,6 +506,7 @@
           <a:p>
             <a:fld id="{BD834D31-072F-43B0-8FC2-C31BD4DDCA99}" type="slidenum">
               <a:rPr lang="zh-TW" altLang="en-US" smtClean="0"/>
+              <a:pPr/>
               <a:t>‹#›</a:t>
             </a:fld>
             <a:endParaRPr lang="zh-TW" altLang="en-US"/>
@@ -634,7 +640,8 @@
           <a:p>
             <a:fld id="{17B5FB31-D49E-4C47-B25F-E23A54C0F091}" type="datetimeFigureOut">
               <a:rPr lang="zh-TW" altLang="en-US" smtClean="0"/>
-              <a:t>2019/2/3</a:t>
+              <a:pPr/>
+              <a:t>2019/2/17</a:t>
             </a:fld>
             <a:endParaRPr lang="zh-TW" altLang="en-US"/>
           </a:p>
@@ -676,6 +683,7 @@
           <a:p>
             <a:fld id="{BD834D31-072F-43B0-8FC2-C31BD4DDCA99}" type="slidenum">
               <a:rPr lang="zh-TW" altLang="en-US" smtClean="0"/>
+              <a:pPr/>
               <a:t>‹#›</a:t>
             </a:fld>
             <a:endParaRPr lang="zh-TW" altLang="en-US"/>
@@ -871,7 +879,8 @@
           <a:p>
             <a:fld id="{17B5FB31-D49E-4C47-B25F-E23A54C0F091}" type="datetimeFigureOut">
               <a:rPr lang="zh-TW" altLang="en-US" smtClean="0"/>
-              <a:t>2019/2/3</a:t>
+              <a:pPr/>
+              <a:t>2019/2/17</a:t>
             </a:fld>
             <a:endParaRPr lang="zh-TW" altLang="en-US"/>
           </a:p>
@@ -913,6 +922,7 @@
           <a:p>
             <a:fld id="{BD834D31-072F-43B0-8FC2-C31BD4DDCA99}" type="slidenum">
               <a:rPr lang="zh-TW" altLang="en-US" smtClean="0"/>
+              <a:pPr/>
               <a:t>‹#›</a:t>
             </a:fld>
             <a:endParaRPr lang="zh-TW" altLang="en-US"/>
@@ -1036,7 +1046,8 @@
           <a:p>
             <a:fld id="{17B5FB31-D49E-4C47-B25F-E23A54C0F091}" type="datetimeFigureOut">
               <a:rPr lang="zh-TW" altLang="en-US" smtClean="0"/>
-              <a:t>2019/2/3</a:t>
+              <a:pPr/>
+              <a:t>2019/2/17</a:t>
             </a:fld>
             <a:endParaRPr lang="zh-TW" altLang="en-US"/>
           </a:p>
@@ -1078,6 +1089,7 @@
           <a:p>
             <a:fld id="{BD834D31-072F-43B0-8FC2-C31BD4DDCA99}" type="slidenum">
               <a:rPr lang="zh-TW" altLang="en-US" smtClean="0"/>
+              <a:pPr/>
               <a:t>‹#›</a:t>
             </a:fld>
             <a:endParaRPr lang="zh-TW" altLang="en-US"/>
@@ -1277,7 +1289,8 @@
           <a:p>
             <a:fld id="{17B5FB31-D49E-4C47-B25F-E23A54C0F091}" type="datetimeFigureOut">
               <a:rPr lang="zh-TW" altLang="en-US" smtClean="0"/>
-              <a:t>2019/2/3</a:t>
+              <a:pPr/>
+              <a:t>2019/2/17</a:t>
             </a:fld>
             <a:endParaRPr lang="zh-TW" altLang="en-US"/>
           </a:p>
@@ -1319,6 +1332,7 @@
           <a:p>
             <a:fld id="{BD834D31-072F-43B0-8FC2-C31BD4DDCA99}" type="slidenum">
               <a:rPr lang="zh-TW" altLang="en-US" smtClean="0"/>
+              <a:pPr/>
               <a:t>‹#›</a:t>
             </a:fld>
             <a:endParaRPr lang="zh-TW" altLang="en-US"/>
@@ -1560,7 +1574,8 @@
           <a:p>
             <a:fld id="{17B5FB31-D49E-4C47-B25F-E23A54C0F091}" type="datetimeFigureOut">
               <a:rPr lang="zh-TW" altLang="en-US" smtClean="0"/>
-              <a:t>2019/2/3</a:t>
+              <a:pPr/>
+              <a:t>2019/2/17</a:t>
             </a:fld>
             <a:endParaRPr lang="zh-TW" altLang="en-US"/>
           </a:p>
@@ -1602,6 +1617,7 @@
           <a:p>
             <a:fld id="{BD834D31-072F-43B0-8FC2-C31BD4DDCA99}" type="slidenum">
               <a:rPr lang="zh-TW" altLang="en-US" smtClean="0"/>
+              <a:pPr/>
               <a:t>‹#›</a:t>
             </a:fld>
             <a:endParaRPr lang="zh-TW" altLang="en-US"/>
@@ -1977,7 +1993,8 @@
           <a:p>
             <a:fld id="{17B5FB31-D49E-4C47-B25F-E23A54C0F091}" type="datetimeFigureOut">
               <a:rPr lang="zh-TW" altLang="en-US" smtClean="0"/>
-              <a:t>2019/2/3</a:t>
+              <a:pPr/>
+              <a:t>2019/2/17</a:t>
             </a:fld>
             <a:endParaRPr lang="zh-TW" altLang="en-US"/>
           </a:p>
@@ -2019,6 +2036,7 @@
           <a:p>
             <a:fld id="{BD834D31-072F-43B0-8FC2-C31BD4DDCA99}" type="slidenum">
               <a:rPr lang="zh-TW" altLang="en-US" smtClean="0"/>
+              <a:pPr/>
               <a:t>‹#›</a:t>
             </a:fld>
             <a:endParaRPr lang="zh-TW" altLang="en-US"/>
@@ -2090,7 +2108,8 @@
           <a:p>
             <a:fld id="{17B5FB31-D49E-4C47-B25F-E23A54C0F091}" type="datetimeFigureOut">
               <a:rPr lang="zh-TW" altLang="en-US" smtClean="0"/>
-              <a:t>2019/2/3</a:t>
+              <a:pPr/>
+              <a:t>2019/2/17</a:t>
             </a:fld>
             <a:endParaRPr lang="zh-TW" altLang="en-US"/>
           </a:p>
@@ -2132,6 +2151,7 @@
           <a:p>
             <a:fld id="{BD834D31-072F-43B0-8FC2-C31BD4DDCA99}" type="slidenum">
               <a:rPr lang="zh-TW" altLang="en-US" smtClean="0"/>
+              <a:pPr/>
               <a:t>‹#›</a:t>
             </a:fld>
             <a:endParaRPr lang="zh-TW" altLang="en-US"/>
@@ -2180,7 +2200,8 @@
           <a:p>
             <a:fld id="{17B5FB31-D49E-4C47-B25F-E23A54C0F091}" type="datetimeFigureOut">
               <a:rPr lang="zh-TW" altLang="en-US" smtClean="0"/>
-              <a:t>2019/2/3</a:t>
+              <a:pPr/>
+              <a:t>2019/2/17</a:t>
             </a:fld>
             <a:endParaRPr lang="zh-TW" altLang="en-US"/>
           </a:p>
@@ -2222,6 +2243,7 @@
           <a:p>
             <a:fld id="{BD834D31-072F-43B0-8FC2-C31BD4DDCA99}" type="slidenum">
               <a:rPr lang="zh-TW" altLang="en-US" smtClean="0"/>
+              <a:pPr/>
               <a:t>‹#›</a:t>
             </a:fld>
             <a:endParaRPr lang="zh-TW" altLang="en-US"/>
@@ -2452,7 +2474,8 @@
           <a:p>
             <a:fld id="{17B5FB31-D49E-4C47-B25F-E23A54C0F091}" type="datetimeFigureOut">
               <a:rPr lang="zh-TW" altLang="en-US" smtClean="0"/>
-              <a:t>2019/2/3</a:t>
+              <a:pPr/>
+              <a:t>2019/2/17</a:t>
             </a:fld>
             <a:endParaRPr lang="zh-TW" altLang="en-US"/>
           </a:p>
@@ -2494,6 +2517,7 @@
           <a:p>
             <a:fld id="{BD834D31-072F-43B0-8FC2-C31BD4DDCA99}" type="slidenum">
               <a:rPr lang="zh-TW" altLang="en-US" smtClean="0"/>
+              <a:pPr/>
               <a:t>‹#›</a:t>
             </a:fld>
             <a:endParaRPr lang="zh-TW" altLang="en-US"/>
@@ -2617,7 +2641,8 @@
           <a:p>
             <a:fld id="{17B5FB31-D49E-4C47-B25F-E23A54C0F091}" type="datetimeFigureOut">
               <a:rPr lang="zh-TW" altLang="en-US" smtClean="0"/>
-              <a:t>2019/2/3</a:t>
+              <a:pPr/>
+              <a:t>2019/2/17</a:t>
             </a:fld>
             <a:endParaRPr lang="zh-TW" altLang="en-US"/>
           </a:p>
@@ -2659,6 +2684,7 @@
           <a:p>
             <a:fld id="{BD834D31-072F-43B0-8FC2-C31BD4DDCA99}" type="slidenum">
               <a:rPr lang="zh-TW" altLang="en-US" smtClean="0"/>
+              <a:pPr/>
               <a:t>‹#›</a:t>
             </a:fld>
             <a:endParaRPr lang="zh-TW" altLang="en-US"/>
@@ -2869,7 +2895,8 @@
           <a:p>
             <a:fld id="{17B5FB31-D49E-4C47-B25F-E23A54C0F091}" type="datetimeFigureOut">
               <a:rPr lang="zh-TW" altLang="en-US" smtClean="0"/>
-              <a:t>2019/2/3</a:t>
+              <a:pPr/>
+              <a:t>2019/2/17</a:t>
             </a:fld>
             <a:endParaRPr lang="zh-TW" altLang="en-US"/>
           </a:p>
@@ -2911,6 +2938,7 @@
           <a:p>
             <a:fld id="{BD834D31-072F-43B0-8FC2-C31BD4DDCA99}" type="slidenum">
               <a:rPr lang="zh-TW" altLang="en-US" smtClean="0"/>
+              <a:pPr/>
               <a:t>‹#›</a:t>
             </a:fld>
             <a:endParaRPr lang="zh-TW" altLang="en-US"/>
@@ -3034,7 +3062,8 @@
           <a:p>
             <a:fld id="{17B5FB31-D49E-4C47-B25F-E23A54C0F091}" type="datetimeFigureOut">
               <a:rPr lang="zh-TW" altLang="en-US" smtClean="0"/>
-              <a:t>2019/2/3</a:t>
+              <a:pPr/>
+              <a:t>2019/2/17</a:t>
             </a:fld>
             <a:endParaRPr lang="zh-TW" altLang="en-US"/>
           </a:p>
@@ -3076,6 +3105,7 @@
           <a:p>
             <a:fld id="{BD834D31-072F-43B0-8FC2-C31BD4DDCA99}" type="slidenum">
               <a:rPr lang="zh-TW" altLang="en-US" smtClean="0"/>
+              <a:pPr/>
               <a:t>‹#›</a:t>
             </a:fld>
             <a:endParaRPr lang="zh-TW" altLang="en-US"/>
@@ -3209,7 +3239,8 @@
           <a:p>
             <a:fld id="{17B5FB31-D49E-4C47-B25F-E23A54C0F091}" type="datetimeFigureOut">
               <a:rPr lang="zh-TW" altLang="en-US" smtClean="0"/>
-              <a:t>2019/2/3</a:t>
+              <a:pPr/>
+              <a:t>2019/2/17</a:t>
             </a:fld>
             <a:endParaRPr lang="zh-TW" altLang="en-US"/>
           </a:p>
@@ -3251,6 +3282,7 @@
           <a:p>
             <a:fld id="{BD834D31-072F-43B0-8FC2-C31BD4DDCA99}" type="slidenum">
               <a:rPr lang="zh-TW" altLang="en-US" smtClean="0"/>
+              <a:pPr/>
               <a:t>‹#›</a:t>
             </a:fld>
             <a:endParaRPr lang="zh-TW" altLang="en-US"/>
@@ -3450,7 +3482,8 @@
           <a:p>
             <a:fld id="{17B5FB31-D49E-4C47-B25F-E23A54C0F091}" type="datetimeFigureOut">
               <a:rPr lang="zh-TW" altLang="en-US" smtClean="0"/>
-              <a:t>2019/2/3</a:t>
+              <a:pPr/>
+              <a:t>2019/2/17</a:t>
             </a:fld>
             <a:endParaRPr lang="zh-TW" altLang="en-US"/>
           </a:p>
@@ -3492,6 +3525,7 @@
           <a:p>
             <a:fld id="{BD834D31-072F-43B0-8FC2-C31BD4DDCA99}" type="slidenum">
               <a:rPr lang="zh-TW" altLang="en-US" smtClean="0"/>
+              <a:pPr/>
               <a:t>‹#›</a:t>
             </a:fld>
             <a:endParaRPr lang="zh-TW" altLang="en-US"/>
@@ -3733,7 +3767,8 @@
           <a:p>
             <a:fld id="{17B5FB31-D49E-4C47-B25F-E23A54C0F091}" type="datetimeFigureOut">
               <a:rPr lang="zh-TW" altLang="en-US" smtClean="0"/>
-              <a:t>2019/2/3</a:t>
+              <a:pPr/>
+              <a:t>2019/2/17</a:t>
             </a:fld>
             <a:endParaRPr lang="zh-TW" altLang="en-US"/>
           </a:p>
@@ -3775,6 +3810,7 @@
           <a:p>
             <a:fld id="{BD834D31-072F-43B0-8FC2-C31BD4DDCA99}" type="slidenum">
               <a:rPr lang="zh-TW" altLang="en-US" smtClean="0"/>
+              <a:pPr/>
               <a:t>‹#›</a:t>
             </a:fld>
             <a:endParaRPr lang="zh-TW" altLang="en-US"/>
@@ -4150,7 +4186,8 @@
           <a:p>
             <a:fld id="{17B5FB31-D49E-4C47-B25F-E23A54C0F091}" type="datetimeFigureOut">
               <a:rPr lang="zh-TW" altLang="en-US" smtClean="0"/>
-              <a:t>2019/2/3</a:t>
+              <a:pPr/>
+              <a:t>2019/2/17</a:t>
             </a:fld>
             <a:endParaRPr lang="zh-TW" altLang="en-US"/>
           </a:p>
@@ -4192,6 +4229,7 @@
           <a:p>
             <a:fld id="{BD834D31-072F-43B0-8FC2-C31BD4DDCA99}" type="slidenum">
               <a:rPr lang="zh-TW" altLang="en-US" smtClean="0"/>
+              <a:pPr/>
               <a:t>‹#›</a:t>
             </a:fld>
             <a:endParaRPr lang="zh-TW" altLang="en-US"/>
@@ -4263,7 +4301,8 @@
           <a:p>
             <a:fld id="{17B5FB31-D49E-4C47-B25F-E23A54C0F091}" type="datetimeFigureOut">
               <a:rPr lang="zh-TW" altLang="en-US" smtClean="0"/>
-              <a:t>2019/2/3</a:t>
+              <a:pPr/>
+              <a:t>2019/2/17</a:t>
             </a:fld>
             <a:endParaRPr lang="zh-TW" altLang="en-US"/>
           </a:p>
@@ -4305,6 +4344,7 @@
           <a:p>
             <a:fld id="{BD834D31-072F-43B0-8FC2-C31BD4DDCA99}" type="slidenum">
               <a:rPr lang="zh-TW" altLang="en-US" smtClean="0"/>
+              <a:pPr/>
               <a:t>‹#›</a:t>
             </a:fld>
             <a:endParaRPr lang="zh-TW" altLang="en-US"/>
@@ -4353,7 +4393,8 @@
           <a:p>
             <a:fld id="{17B5FB31-D49E-4C47-B25F-E23A54C0F091}" type="datetimeFigureOut">
               <a:rPr lang="zh-TW" altLang="en-US" smtClean="0"/>
-              <a:t>2019/2/3</a:t>
+              <a:pPr/>
+              <a:t>2019/2/17</a:t>
             </a:fld>
             <a:endParaRPr lang="zh-TW" altLang="en-US"/>
           </a:p>
@@ -4395,6 +4436,7 @@
           <a:p>
             <a:fld id="{BD834D31-072F-43B0-8FC2-C31BD4DDCA99}" type="slidenum">
               <a:rPr lang="zh-TW" altLang="en-US" smtClean="0"/>
+              <a:pPr/>
               <a:t>‹#›</a:t>
             </a:fld>
             <a:endParaRPr lang="zh-TW" altLang="en-US"/>
@@ -4625,7 +4667,8 @@
           <a:p>
             <a:fld id="{17B5FB31-D49E-4C47-B25F-E23A54C0F091}" type="datetimeFigureOut">
               <a:rPr lang="zh-TW" altLang="en-US" smtClean="0"/>
-              <a:t>2019/2/3</a:t>
+              <a:pPr/>
+              <a:t>2019/2/17</a:t>
             </a:fld>
             <a:endParaRPr lang="zh-TW" altLang="en-US"/>
           </a:p>
@@ -4667,6 +4710,7 @@
           <a:p>
             <a:fld id="{BD834D31-072F-43B0-8FC2-C31BD4DDCA99}" type="slidenum">
               <a:rPr lang="zh-TW" altLang="en-US" smtClean="0"/>
+              <a:pPr/>
               <a:t>‹#›</a:t>
             </a:fld>
             <a:endParaRPr lang="zh-TW" altLang="en-US"/>
@@ -4873,7 +4917,8 @@
           <a:p>
             <a:fld id="{17B5FB31-D49E-4C47-B25F-E23A54C0F091}" type="datetimeFigureOut">
               <a:rPr lang="zh-TW" altLang="en-US" smtClean="0"/>
-              <a:t>2019/2/3</a:t>
+              <a:pPr/>
+              <a:t>2019/2/17</a:t>
             </a:fld>
             <a:endParaRPr lang="zh-TW" altLang="en-US"/>
           </a:p>
@@ -4915,6 +4960,7 @@
           <a:p>
             <a:fld id="{BD834D31-072F-43B0-8FC2-C31BD4DDCA99}" type="slidenum">
               <a:rPr lang="zh-TW" altLang="en-US" smtClean="0"/>
+              <a:pPr/>
               <a:t>‹#›</a:t>
             </a:fld>
             <a:endParaRPr lang="zh-TW" altLang="en-US"/>
@@ -5081,7 +5127,8 @@
           <a:p>
             <a:fld id="{17B5FB31-D49E-4C47-B25F-E23A54C0F091}" type="datetimeFigureOut">
               <a:rPr lang="zh-TW" altLang="en-US" smtClean="0"/>
-              <a:t>2019/2/3</a:t>
+              <a:pPr/>
+              <a:t>2019/2/17</a:t>
             </a:fld>
             <a:endParaRPr lang="zh-TW" altLang="en-US"/>
           </a:p>
@@ -5159,6 +5206,7 @@
           <a:p>
             <a:fld id="{BD834D31-072F-43B0-8FC2-C31BD4DDCA99}" type="slidenum">
               <a:rPr lang="zh-TW" altLang="en-US" smtClean="0"/>
+              <a:pPr/>
               <a:t>‹#›</a:t>
             </a:fld>
             <a:endParaRPr lang="zh-TW" altLang="en-US"/>
@@ -5591,7 +5639,8 @@
           <a:p>
             <a:fld id="{17B5FB31-D49E-4C47-B25F-E23A54C0F091}" type="datetimeFigureOut">
               <a:rPr lang="zh-TW" altLang="en-US" smtClean="0"/>
-              <a:t>2019/2/3</a:t>
+              <a:pPr/>
+              <a:t>2019/2/17</a:t>
             </a:fld>
             <a:endParaRPr lang="zh-TW" altLang="en-US"/>
           </a:p>
@@ -5669,6 +5718,7 @@
           <a:p>
             <a:fld id="{BD834D31-072F-43B0-8FC2-C31BD4DDCA99}" type="slidenum">
               <a:rPr lang="zh-TW" altLang="en-US" smtClean="0"/>
+              <a:pPr/>
               <a:t>‹#›</a:t>
             </a:fld>
             <a:endParaRPr lang="zh-TW" altLang="en-US"/>
@@ -6743,6 +6793,504 @@
             <a:endParaRPr lang="zh-TW" sz="5400" b="0" strike="noStrike" spc="-1">
               <a:solidFill>
                 <a:srgbClr val="C00000"/>
+              </a:solidFill>
+              <a:latin typeface="Calibri"/>
+            </a:endParaRPr>
+          </a:p>
+        </p:txBody>
+      </p:sp>
+    </p:spTree>
+  </p:cSld>
+  <p:clrMapOvr>
+    <a:masterClrMapping/>
+  </p:clrMapOvr>
+  <p:timing>
+    <p:tnLst>
+      <p:par>
+        <p:cTn id="1" dur="indefinite" restart="never" nodeType="tmRoot">
+          <p:childTnLst>
+            <p:seq>
+              <p:cTn id="2" dur="indefinite" nodeType="mainSeq"/>
+              <p:prevCondLst>
+                <p:cond evt="onPrev" delay="0">
+                  <p:tgtEl>
+                    <p:sldTgt/>
+                  </p:tgtEl>
+                </p:cond>
+              </p:prevCondLst>
+              <p:nextCondLst>
+                <p:cond evt="onNext" delay="0">
+                  <p:tgtEl>
+                    <p:sldTgt/>
+                  </p:tgtEl>
+                </p:cond>
+              </p:nextCondLst>
+            </p:seq>
+          </p:childTnLst>
+        </p:cTn>
+      </p:par>
+    </p:tnLst>
+  </p:timing>
+</p:sld>
+</file>
+
+<file path=ppt/slides/slide7.xml><?xml version="1.0" encoding="utf-8"?>
+<p:sld xmlns:a="http://schemas.openxmlformats.org/drawingml/2006/main" xmlns:r="http://schemas.openxmlformats.org/officeDocument/2006/relationships" xmlns:p="http://schemas.openxmlformats.org/presentationml/2006/main">
+  <p:cSld>
+    <p:spTree>
+      <p:nvGrpSpPr>
+        <p:cNvPr id="1" name=""/>
+        <p:cNvGrpSpPr/>
+        <p:nvPr/>
+      </p:nvGrpSpPr>
+      <p:grpSpPr>
+        <a:xfrm>
+          <a:off x="0" y="0"/>
+          <a:ext cx="0" cy="0"/>
+          <a:chOff x="0" y="0"/>
+          <a:chExt cx="0" cy="0"/>
+        </a:xfrm>
+      </p:grpSpPr>
+      <p:sp>
+        <p:nvSpPr>
+          <p:cNvPr id="83" name="TextShape 1"/>
+          <p:cNvSpPr txBox="1"/>
+          <p:nvPr/>
+        </p:nvSpPr>
+        <p:spPr>
+          <a:xfrm>
+            <a:off x="457200" y="274680"/>
+            <a:ext cx="8229240" cy="1142640"/>
+          </a:xfrm>
+          <a:prstGeom prst="rect">
+            <a:avLst/>
+          </a:prstGeom>
+          <a:noFill/>
+          <a:ln>
+            <a:noFill/>
+          </a:ln>
+        </p:spPr>
+        <p:txBody>
+          <a:bodyPr anchor="ctr"/>
+          <a:lstStyle/>
+          <a:p>
+            <a:pPr algn="ctr">
+              <a:lnSpc>
+                <a:spcPct val="100000"/>
+              </a:lnSpc>
+            </a:pPr>
+            <a:r>
+              <a:rPr lang="zh-TW" sz="4400" b="1" strike="noStrike" spc="-1" dirty="0">
+                <a:solidFill>
+                  <a:schemeClr val="bg2">
+                    <a:lumMod val="10000"/>
+                  </a:schemeClr>
+                </a:solidFill>
+                <a:latin typeface="Microsoft JhengHei"/>
+                <a:ea typeface="Microsoft JhengHei"/>
+              </a:rPr>
+              <a:t>靠著耶穌聖名</a:t>
+            </a:r>
+            <a:endParaRPr lang="zh-TW" sz="4400" b="0" strike="noStrike" spc="-1" dirty="0">
+              <a:solidFill>
+                <a:schemeClr val="bg2">
+                  <a:lumMod val="10000"/>
+                </a:schemeClr>
+              </a:solidFill>
+              <a:latin typeface="Calibri"/>
+            </a:endParaRPr>
+          </a:p>
+        </p:txBody>
+      </p:sp>
+      <p:sp>
+        <p:nvSpPr>
+          <p:cNvPr id="84" name="TextShape 2"/>
+          <p:cNvSpPr txBox="1"/>
+          <p:nvPr/>
+        </p:nvSpPr>
+        <p:spPr>
+          <a:xfrm>
+            <a:off x="457200" y="1600200"/>
+            <a:ext cx="8229240" cy="4525560"/>
+          </a:xfrm>
+          <a:prstGeom prst="rect">
+            <a:avLst/>
+          </a:prstGeom>
+          <a:noFill/>
+          <a:ln>
+            <a:noFill/>
+          </a:ln>
+        </p:spPr>
+        <p:txBody>
+          <a:bodyPr>
+            <a:normAutofit/>
+          </a:bodyPr>
+          <a:lstStyle/>
+          <a:p>
+            <a:pPr algn="ctr">
+              <a:lnSpc>
+                <a:spcPct val="100000"/>
+              </a:lnSpc>
+              <a:spcBef>
+                <a:spcPts val="1080"/>
+              </a:spcBef>
+            </a:pPr>
+            <a:r>
+              <a:rPr lang="zh-TW" sz="5400" b="1" strike="noStrike" spc="-1">
+                <a:solidFill>
+                  <a:schemeClr val="bg2">
+                    <a:lumMod val="10000"/>
+                  </a:schemeClr>
+                </a:solidFill>
+                <a:latin typeface="Microsoft JhengHei"/>
+                <a:ea typeface="Microsoft JhengHei"/>
+              </a:rPr>
+              <a:t>靠著耶穌聖名   </a:t>
+            </a:r>
+            <a:endParaRPr lang="zh-TW" sz="5400" b="0" strike="noStrike" spc="-1">
+              <a:solidFill>
+                <a:schemeClr val="bg2">
+                  <a:lumMod val="10000"/>
+                </a:schemeClr>
+              </a:solidFill>
+              <a:latin typeface="Calibri"/>
+            </a:endParaRPr>
+          </a:p>
+          <a:p>
+            <a:pPr algn="ctr">
+              <a:lnSpc>
+                <a:spcPct val="100000"/>
+              </a:lnSpc>
+              <a:spcBef>
+                <a:spcPts val="1080"/>
+              </a:spcBef>
+            </a:pPr>
+            <a:r>
+              <a:rPr lang="zh-TW" sz="5400" b="1" strike="noStrike" spc="-1">
+                <a:solidFill>
+                  <a:schemeClr val="bg2">
+                    <a:lumMod val="10000"/>
+                  </a:schemeClr>
+                </a:solidFill>
+                <a:latin typeface="Microsoft JhengHei"/>
+                <a:ea typeface="Microsoft JhengHei"/>
+              </a:rPr>
+              <a:t>靠著耶穌聖名</a:t>
+            </a:r>
+            <a:endParaRPr lang="zh-TW" sz="5400" b="0" strike="noStrike" spc="-1">
+              <a:solidFill>
+                <a:schemeClr val="bg2">
+                  <a:lumMod val="10000"/>
+                </a:schemeClr>
+              </a:solidFill>
+              <a:latin typeface="Calibri"/>
+            </a:endParaRPr>
+          </a:p>
+          <a:p>
+            <a:pPr algn="ctr">
+              <a:lnSpc>
+                <a:spcPct val="100000"/>
+              </a:lnSpc>
+              <a:spcBef>
+                <a:spcPts val="1080"/>
+              </a:spcBef>
+            </a:pPr>
+            <a:r>
+              <a:rPr lang="zh-TW" sz="5400" b="1" strike="noStrike" spc="-1">
+                <a:solidFill>
+                  <a:schemeClr val="bg2">
+                    <a:lumMod val="10000"/>
+                  </a:schemeClr>
+                </a:solidFill>
+                <a:latin typeface="Microsoft JhengHei"/>
+                <a:ea typeface="Microsoft JhengHei"/>
+              </a:rPr>
+              <a:t>我們必能得勝</a:t>
+            </a:r>
+            <a:endParaRPr lang="zh-TW" sz="5400" b="0" strike="noStrike" spc="-1">
+              <a:solidFill>
+                <a:schemeClr val="bg2">
+                  <a:lumMod val="10000"/>
+                </a:schemeClr>
+              </a:solidFill>
+              <a:latin typeface="Calibri"/>
+            </a:endParaRPr>
+          </a:p>
+          <a:p>
+            <a:pPr algn="ctr">
+              <a:lnSpc>
+                <a:spcPct val="100000"/>
+              </a:lnSpc>
+              <a:spcBef>
+                <a:spcPts val="1080"/>
+              </a:spcBef>
+            </a:pPr>
+            <a:r>
+              <a:rPr lang="zh-TW" sz="5400" b="1" strike="noStrike" spc="-1">
+                <a:solidFill>
+                  <a:schemeClr val="bg2">
+                    <a:lumMod val="10000"/>
+                  </a:schemeClr>
+                </a:solidFill>
+                <a:latin typeface="Microsoft JhengHei"/>
+                <a:ea typeface="Microsoft JhengHei"/>
+              </a:rPr>
+              <a:t>(x2)</a:t>
+            </a:r>
+            <a:endParaRPr lang="zh-TW" sz="5400" b="0" strike="noStrike" spc="-1">
+              <a:solidFill>
+                <a:schemeClr val="bg2">
+                  <a:lumMod val="10000"/>
+                </a:schemeClr>
+              </a:solidFill>
+              <a:latin typeface="Calibri"/>
+            </a:endParaRPr>
+          </a:p>
+        </p:txBody>
+      </p:sp>
+    </p:spTree>
+  </p:cSld>
+  <p:clrMapOvr>
+    <a:masterClrMapping/>
+  </p:clrMapOvr>
+  <p:timing>
+    <p:tnLst>
+      <p:par>
+        <p:cTn id="1" dur="indefinite" restart="never" nodeType="tmRoot">
+          <p:childTnLst>
+            <p:seq>
+              <p:cTn id="2" dur="indefinite" nodeType="mainSeq"/>
+              <p:prevCondLst>
+                <p:cond evt="onPrev" delay="0">
+                  <p:tgtEl>
+                    <p:sldTgt/>
+                  </p:tgtEl>
+                </p:cond>
+              </p:prevCondLst>
+              <p:nextCondLst>
+                <p:cond evt="onNext" delay="0">
+                  <p:tgtEl>
+                    <p:sldTgt/>
+                  </p:tgtEl>
+                </p:cond>
+              </p:nextCondLst>
+            </p:seq>
+          </p:childTnLst>
+        </p:cTn>
+      </p:par>
+    </p:tnLst>
+  </p:timing>
+</p:sld>
+</file>
+
+<file path=ppt/slides/slide8.xml><?xml version="1.0" encoding="utf-8"?>
+<p:sld xmlns:a="http://schemas.openxmlformats.org/drawingml/2006/main" xmlns:r="http://schemas.openxmlformats.org/officeDocument/2006/relationships" xmlns:p="http://schemas.openxmlformats.org/presentationml/2006/main">
+  <p:cSld>
+    <p:spTree>
+      <p:nvGrpSpPr>
+        <p:cNvPr id="1" name=""/>
+        <p:cNvGrpSpPr/>
+        <p:nvPr/>
+      </p:nvGrpSpPr>
+      <p:grpSpPr>
+        <a:xfrm>
+          <a:off x="0" y="0"/>
+          <a:ext cx="0" cy="0"/>
+          <a:chOff x="0" y="0"/>
+          <a:chExt cx="0" cy="0"/>
+        </a:xfrm>
+      </p:grpSpPr>
+      <p:sp>
+        <p:nvSpPr>
+          <p:cNvPr id="85" name="TextShape 1"/>
+          <p:cNvSpPr txBox="1"/>
+          <p:nvPr/>
+        </p:nvSpPr>
+        <p:spPr>
+          <a:xfrm>
+            <a:off x="457200" y="274680"/>
+            <a:ext cx="8229240" cy="1142640"/>
+          </a:xfrm>
+          <a:prstGeom prst="rect">
+            <a:avLst/>
+          </a:prstGeom>
+          <a:noFill/>
+          <a:ln>
+            <a:noFill/>
+          </a:ln>
+        </p:spPr>
+        <p:txBody>
+          <a:bodyPr anchor="ctr"/>
+          <a:lstStyle/>
+          <a:p>
+            <a:pPr algn="ctr">
+              <a:lnSpc>
+                <a:spcPct val="100000"/>
+              </a:lnSpc>
+            </a:pPr>
+            <a:r>
+              <a:rPr lang="zh-TW" sz="4400" b="1" strike="noStrike" spc="-1" dirty="0">
+                <a:solidFill>
+                  <a:schemeClr val="bg2">
+                    <a:lumMod val="10000"/>
+                  </a:schemeClr>
+                </a:solidFill>
+                <a:latin typeface="Microsoft JhengHei"/>
+                <a:ea typeface="Microsoft JhengHei"/>
+              </a:rPr>
+              <a:t>靠著耶穌聖名</a:t>
+            </a:r>
+            <a:endParaRPr lang="zh-TW" sz="4400" b="0" strike="noStrike" spc="-1" dirty="0">
+              <a:solidFill>
+                <a:schemeClr val="bg2">
+                  <a:lumMod val="10000"/>
+                </a:schemeClr>
+              </a:solidFill>
+              <a:latin typeface="Calibri"/>
+            </a:endParaRPr>
+          </a:p>
+        </p:txBody>
+      </p:sp>
+      <p:sp>
+        <p:nvSpPr>
+          <p:cNvPr id="86" name="TextShape 2"/>
+          <p:cNvSpPr txBox="1"/>
+          <p:nvPr/>
+        </p:nvSpPr>
+        <p:spPr>
+          <a:xfrm>
+            <a:off x="457200" y="1600200"/>
+            <a:ext cx="8229240" cy="4525560"/>
+          </a:xfrm>
+          <a:prstGeom prst="rect">
+            <a:avLst/>
+          </a:prstGeom>
+          <a:noFill/>
+          <a:ln>
+            <a:noFill/>
+          </a:ln>
+        </p:spPr>
+        <p:txBody>
+          <a:bodyPr>
+            <a:normAutofit/>
+          </a:bodyPr>
+          <a:lstStyle/>
+          <a:p>
+            <a:pPr algn="ctr">
+              <a:lnSpc>
+                <a:spcPct val="100000"/>
+              </a:lnSpc>
+              <a:spcBef>
+                <a:spcPts val="1080"/>
+              </a:spcBef>
+            </a:pPr>
+            <a:r>
+              <a:rPr lang="zh-TW" sz="5400" b="1" strike="noStrike" spc="-1">
+                <a:solidFill>
+                  <a:schemeClr val="bg2">
+                    <a:lumMod val="10000"/>
+                  </a:schemeClr>
+                </a:solidFill>
+                <a:latin typeface="Microsoft JhengHei"/>
+                <a:ea typeface="Microsoft JhengHei"/>
+              </a:rPr>
+              <a:t>誰能訴盡祂的作為</a:t>
+            </a:r>
+            <a:endParaRPr lang="zh-TW" sz="5400" b="0" strike="noStrike" spc="-1">
+              <a:solidFill>
+                <a:schemeClr val="bg2">
+                  <a:lumMod val="10000"/>
+                </a:schemeClr>
+              </a:solidFill>
+              <a:latin typeface="Calibri"/>
+            </a:endParaRPr>
+          </a:p>
+          <a:p>
+            <a:pPr algn="ctr">
+              <a:lnSpc>
+                <a:spcPct val="100000"/>
+              </a:lnSpc>
+              <a:spcBef>
+                <a:spcPts val="1080"/>
+              </a:spcBef>
+            </a:pPr>
+            <a:r>
+              <a:rPr lang="zh-TW" sz="5400" b="1" strike="noStrike" spc="-1">
+                <a:solidFill>
+                  <a:schemeClr val="bg2">
+                    <a:lumMod val="10000"/>
+                  </a:schemeClr>
+                </a:solidFill>
+                <a:latin typeface="Microsoft JhengHei"/>
+                <a:ea typeface="Microsoft JhengHei"/>
+              </a:rPr>
+              <a:t>誰能訴盡祂的愛</a:t>
+            </a:r>
+            <a:endParaRPr lang="zh-TW" sz="5400" b="0" strike="noStrike" spc="-1">
+              <a:solidFill>
+                <a:schemeClr val="bg2">
+                  <a:lumMod val="10000"/>
+                </a:schemeClr>
+              </a:solidFill>
+              <a:latin typeface="Calibri"/>
+            </a:endParaRPr>
+          </a:p>
+          <a:p>
+            <a:pPr algn="ctr">
+              <a:lnSpc>
+                <a:spcPct val="100000"/>
+              </a:lnSpc>
+              <a:spcBef>
+                <a:spcPts val="1080"/>
+              </a:spcBef>
+            </a:pPr>
+            <a:r>
+              <a:rPr lang="zh-TW" sz="5400" b="1" strike="noStrike" spc="-1">
+                <a:solidFill>
+                  <a:schemeClr val="bg2">
+                    <a:lumMod val="10000"/>
+                  </a:schemeClr>
+                </a:solidFill>
+                <a:latin typeface="Microsoft JhengHei"/>
+                <a:ea typeface="Microsoft JhengHei"/>
+              </a:rPr>
+              <a:t>靠著耶穌寶貝聖名</a:t>
+            </a:r>
+            <a:endParaRPr lang="zh-TW" sz="5400" b="0" strike="noStrike" spc="-1">
+              <a:solidFill>
+                <a:schemeClr val="bg2">
+                  <a:lumMod val="10000"/>
+                </a:schemeClr>
+              </a:solidFill>
+              <a:latin typeface="Calibri"/>
+            </a:endParaRPr>
+          </a:p>
+          <a:p>
+            <a:pPr algn="ctr">
+              <a:lnSpc>
+                <a:spcPct val="100000"/>
+              </a:lnSpc>
+              <a:spcBef>
+                <a:spcPts val="1080"/>
+              </a:spcBef>
+            </a:pPr>
+            <a:r>
+              <a:rPr lang="zh-TW" sz="5400" b="1" strike="noStrike" spc="-1">
+                <a:solidFill>
+                  <a:schemeClr val="bg2">
+                    <a:lumMod val="10000"/>
+                  </a:schemeClr>
+                </a:solidFill>
+                <a:latin typeface="Microsoft JhengHei"/>
+                <a:ea typeface="Microsoft JhengHei"/>
+              </a:rPr>
+              <a:t>我們必能得勝</a:t>
+            </a:r>
+            <a:endParaRPr lang="zh-TW" sz="5400" b="0" strike="noStrike" spc="-1">
+              <a:solidFill>
+                <a:schemeClr val="bg2">
+                  <a:lumMod val="10000"/>
+                </a:schemeClr>
               </a:solidFill>
               <a:latin typeface="Calibri"/>
             </a:endParaRPr>
